--- a/Event Materials/Speaker/GPPB2023 Speaker Social Share Deck.pptx
+++ b/Event Materials/Speaker/GPPB2023 Speaker Social Share Deck.pptx
@@ -1503,42 +1503,6 @@
           <a:chExt cx="0" cy="0"/>
         </a:xfrm>
       </p:grpSpPr>
-      <p:pic>
-        <p:nvPicPr>
-          <p:cNvPr id="8" name="Picture 7" descr="Icon&#10;&#10;Description generated with very high confidence">
-            <a:extLst>
-              <a:ext uri="{FF2B5EF4-FFF2-40B4-BE49-F238E27FC236}">
-                <a16:creationId xmlns:a16="http://schemas.microsoft.com/office/drawing/2014/main" id="{D2B5DAD9-251F-4EBA-BB85-39D854FAEAE5}"/>
-              </a:ext>
-            </a:extLst>
-          </p:cNvPr>
-          <p:cNvPicPr>
-            <a:picLocks noChangeAspect="1"/>
-          </p:cNvPicPr>
-          <p:nvPr userDrawn="1"/>
-        </p:nvPicPr>
-        <p:blipFill>
-          <a:blip r:embed="rId6" cstate="print">
-            <a:extLst>
-              <a:ext uri="{28A0092B-C50C-407E-A947-70E740481C1C}">
-                <a14:useLocalDpi xmlns:a14="http://schemas.microsoft.com/office/drawing/2010/main" val="0"/>
-              </a:ext>
-            </a:extLst>
-          </a:blip>
-          <a:stretch>
-            <a:fillRect/>
-          </a:stretch>
-        </p:blipFill>
-        <p:spPr>
-          <a:xfrm>
-            <a:off x="321912" y="218026"/>
-            <a:ext cx="1462927" cy="1522363"/>
-          </a:xfrm>
-          <a:prstGeom prst="rect">
-            <a:avLst/>
-          </a:prstGeom>
-        </p:spPr>
-      </p:pic>
       <p:sp>
         <p:nvSpPr>
           <p:cNvPr id="10" name="TextBox 9">
@@ -1596,7 +1560,7 @@
           <p:nvPr userDrawn="1"/>
         </p:nvPicPr>
         <p:blipFill>
-          <a:blip r:embed="rId7" cstate="print">
+          <a:blip r:embed="rId6" cstate="print">
             <a:extLst>
               <a:ext uri="{28A0092B-C50C-407E-A947-70E740481C1C}">
                 <a14:useLocalDpi xmlns:a14="http://schemas.microsoft.com/office/drawing/2010/main" val="0"/>
@@ -1611,6 +1575,42 @@
           <a:xfrm>
             <a:off x="10661224" y="6283569"/>
             <a:ext cx="1390100" cy="511785"/>
+          </a:xfrm>
+          <a:prstGeom prst="rect">
+            <a:avLst/>
+          </a:prstGeom>
+        </p:spPr>
+      </p:pic>
+      <p:pic>
+        <p:nvPicPr>
+          <p:cNvPr id="4" name="Picture 3">
+            <a:extLst>
+              <a:ext uri="{FF2B5EF4-FFF2-40B4-BE49-F238E27FC236}">
+                <a16:creationId xmlns:a16="http://schemas.microsoft.com/office/drawing/2014/main" id="{58A79676-A7B8-4C12-4431-07750AF0526E}"/>
+              </a:ext>
+            </a:extLst>
+          </p:cNvPr>
+          <p:cNvPicPr>
+            <a:picLocks noChangeAspect="1"/>
+          </p:cNvPicPr>
+          <p:nvPr userDrawn="1"/>
+        </p:nvPicPr>
+        <p:blipFill>
+          <a:blip r:embed="rId7" cstate="print">
+            <a:extLst>
+              <a:ext uri="{28A0092B-C50C-407E-A947-70E740481C1C}">
+                <a14:useLocalDpi xmlns:a14="http://schemas.microsoft.com/office/drawing/2010/main" val="0"/>
+              </a:ext>
+            </a:extLst>
+          </a:blip>
+          <a:stretch>
+            <a:fillRect/>
+          </a:stretch>
+        </p:blipFill>
+        <p:spPr>
+          <a:xfrm>
+            <a:off x="140676" y="92363"/>
+            <a:ext cx="1700489" cy="1791855"/>
           </a:xfrm>
           <a:prstGeom prst="rect">
             <a:avLst/>
@@ -2884,6 +2884,21 @@
 </file>
 
 <file path=customXml/item1.xml><?xml version="1.0" encoding="utf-8"?>
+<p:properties xmlns:p="http://schemas.microsoft.com/office/2006/metadata/properties" xmlns:xsi="http://www.w3.org/2001/XMLSchema-instance" xmlns:pc="http://schemas.microsoft.com/office/infopath/2007/PartnerControls">
+  <documentManagement/>
+</p:properties>
+</file>
+
+<file path=customXml/item2.xml><?xml version="1.0" encoding="utf-8"?>
+<?mso-contentType ?>
+<FormTemplates xmlns="http://schemas.microsoft.com/sharepoint/v3/contenttype/forms">
+  <Display>DocumentLibraryForm</Display>
+  <Edit>DocumentLibraryForm</Edit>
+  <New>DocumentLibraryForm</New>
+</FormTemplates>
+</file>
+
+<file path=customXml/item3.xml><?xml version="1.0" encoding="utf-8"?>
 <ct:contentTypeSchema xmlns:ct="http://schemas.microsoft.com/office/2006/metadata/contentType" xmlns:ma="http://schemas.microsoft.com/office/2006/metadata/properties/metaAttributes" ct:_="" ma:_="" ma:contentTypeName="Document" ma:contentTypeID="0x010100F6BDD08CCF370849A2D407B3E3FB0E50" ma:contentTypeVersion="6" ma:contentTypeDescription="Create a new document." ma:contentTypeScope="" ma:versionID="67b8d404d50ab64c6da975ce4eaec4ee">
   <xsd:schema xmlns:xsd="http://www.w3.org/2001/XMLSchema" xmlns:xs="http://www.w3.org/2001/XMLSchema" xmlns:p="http://schemas.microsoft.com/office/2006/metadata/properties" xmlns:ns2="774ed329-f2c8-4afb-9f87-f277f9430717" targetNamespace="http://schemas.microsoft.com/office/2006/metadata/properties" ma:root="true" ma:fieldsID="2ee7a84ba5c28d271e27e06945b3db8f" ns2:_="">
     <xsd:import namespace="774ed329-f2c8-4afb-9f87-f277f9430717"/>
@@ -3041,22 +3056,31 @@
 </ct:contentTypeSchema>
 </file>
 
-<file path=customXml/item2.xml><?xml version="1.0" encoding="utf-8"?>
-<?mso-contentType ?>
-<FormTemplates xmlns="http://schemas.microsoft.com/sharepoint/v3/contenttype/forms">
-  <Display>DocumentLibraryForm</Display>
-  <Edit>DocumentLibraryForm</Edit>
-  <New>DocumentLibraryForm</New>
-</FormTemplates>
+<file path=customXml/itemProps1.xml><?xml version="1.0" encoding="utf-8"?>
+<ds:datastoreItem xmlns:ds="http://schemas.openxmlformats.org/officeDocument/2006/customXml" ds:itemID="{70180D9A-D519-4FDB-8F34-05266BAFD48C}">
+  <ds:schemaRefs>
+    <ds:schemaRef ds:uri="http://purl.org/dc/terms/"/>
+    <ds:schemaRef ds:uri="http://purl.org/dc/elements/1.1/"/>
+    <ds:schemaRef ds:uri="http://schemas.microsoft.com/office/2006/documentManagement/types"/>
+    <ds:schemaRef ds:uri="http://schemas.openxmlformats.org/package/2006/metadata/core-properties"/>
+    <ds:schemaRef ds:uri="http://schemas.microsoft.com/office/infopath/2007/PartnerControls"/>
+    <ds:schemaRef ds:uri="http://www.w3.org/XML/1998/namespace"/>
+    <ds:schemaRef ds:uri="774ed329-f2c8-4afb-9f87-f277f9430717"/>
+    <ds:schemaRef ds:uri="http://schemas.microsoft.com/office/2006/metadata/properties"/>
+    <ds:schemaRef ds:uri="http://purl.org/dc/dcmitype/"/>
+  </ds:schemaRefs>
+</ds:datastoreItem>
 </file>
 
-<file path=customXml/item3.xml><?xml version="1.0" encoding="utf-8"?>
-<p:properties xmlns:p="http://schemas.microsoft.com/office/2006/metadata/properties" xmlns:xsi="http://www.w3.org/2001/XMLSchema-instance" xmlns:pc="http://schemas.microsoft.com/office/infopath/2007/PartnerControls">
-  <documentManagement/>
-</p:properties>
+<file path=customXml/itemProps2.xml><?xml version="1.0" encoding="utf-8"?>
+<ds:datastoreItem xmlns:ds="http://schemas.openxmlformats.org/officeDocument/2006/customXml" ds:itemID="{646C0C05-D953-4444-8405-0E47656BF76E}">
+  <ds:schemaRefs>
+    <ds:schemaRef ds:uri="http://schemas.microsoft.com/sharepoint/v3/contenttype/forms"/>
+  </ds:schemaRefs>
+</ds:datastoreItem>
 </file>
 
-<file path=customXml/itemProps1.xml><?xml version="1.0" encoding="utf-8"?>
+<file path=customXml/itemProps3.xml><?xml version="1.0" encoding="utf-8"?>
 <ds:datastoreItem xmlns:ds="http://schemas.openxmlformats.org/officeDocument/2006/customXml" ds:itemID="{B82D51DF-B950-4ADF-B00C-C6AE7EAF455E}">
   <ds:schemaRefs>
     <ds:schemaRef ds:uri="http://schemas.microsoft.com/office/2006/metadata/contentType"/>
@@ -3072,28 +3096,4 @@
     <ds:schemaRef ds:uri="http://schemas.microsoft.com/internal/obd"/>
   </ds:schemaRefs>
 </ds:datastoreItem>
-</file>
-
-<file path=customXml/itemProps2.xml><?xml version="1.0" encoding="utf-8"?>
-<ds:datastoreItem xmlns:ds="http://schemas.openxmlformats.org/officeDocument/2006/customXml" ds:itemID="{646C0C05-D953-4444-8405-0E47656BF76E}">
-  <ds:schemaRefs>
-    <ds:schemaRef ds:uri="http://schemas.microsoft.com/sharepoint/v3/contenttype/forms"/>
-  </ds:schemaRefs>
-</ds:datastoreItem>
-</file>
-
-<file path=customXml/itemProps3.xml><?xml version="1.0" encoding="utf-8"?>
-<ds:datastoreItem xmlns:ds="http://schemas.openxmlformats.org/officeDocument/2006/customXml" ds:itemID="{70180D9A-D519-4FDB-8F34-05266BAFD48C}">
-  <ds:schemaRefs>
-    <ds:schemaRef ds:uri="http://purl.org/dc/terms/"/>
-    <ds:schemaRef ds:uri="http://purl.org/dc/elements/1.1/"/>
-    <ds:schemaRef ds:uri="http://schemas.microsoft.com/office/2006/documentManagement/types"/>
-    <ds:schemaRef ds:uri="http://schemas.openxmlformats.org/package/2006/metadata/core-properties"/>
-    <ds:schemaRef ds:uri="http://schemas.microsoft.com/office/infopath/2007/PartnerControls"/>
-    <ds:schemaRef ds:uri="http://www.w3.org/XML/1998/namespace"/>
-    <ds:schemaRef ds:uri="774ed329-f2c8-4afb-9f87-f277f9430717"/>
-    <ds:schemaRef ds:uri="http://schemas.microsoft.com/office/2006/metadata/properties"/>
-    <ds:schemaRef ds:uri="http://purl.org/dc/dcmitype/"/>
-  </ds:schemaRefs>
-</ds:datastoreItem>
 </file>